--- a/VC++실습 - 6주차 .pptx
+++ b/VC++실습 - 6주차 .pptx
@@ -5,7 +5,7 @@
     <p:sldMasterId id="2147483660" r:id="rId1"/>
   </p:sldMasterIdLst>
   <p:notesMasterIdLst>
-    <p:notesMasterId r:id="rId8"/>
+    <p:notesMasterId r:id="rId9"/>
   </p:notesMasterIdLst>
   <p:sldIdLst>
     <p:sldId id="257" r:id="rId2"/>
@@ -14,14 +14,15 @@
     <p:sldId id="260" r:id="rId5"/>
     <p:sldId id="261" r:id="rId6"/>
     <p:sldId id="262" r:id="rId7"/>
+    <p:sldId id="263" r:id="rId8"/>
   </p:sldIdLst>
   <p:sldSz cx="9144000" cy="6858000" type="screen4x3"/>
   <p:notesSz cx="6858000" cy="9144000"/>
   <p:embeddedFontLst>
     <p:embeddedFont>
       <p:font typeface="맑은 고딕" panose="020B0503020000020004" pitchFamily="50" charset="-127"/>
-      <p:regular r:id="rId9"/>
-      <p:bold r:id="rId10"/>
+      <p:regular r:id="rId10"/>
+      <p:bold r:id="rId11"/>
     </p:embeddedFont>
   </p:embeddedFontLst>
   <p:defaultTextStyle>
@@ -5857,6 +5858,195 @@
     <p:extLst>
       <p:ext uri="{BB962C8B-B14F-4D97-AF65-F5344CB8AC3E}">
         <p14:creationId xmlns:p14="http://schemas.microsoft.com/office/powerpoint/2010/main" val="2391224821"/>
+      </p:ext>
+    </p:extLst>
+  </p:cSld>
+  <p:clrMapOvr>
+    <a:masterClrMapping/>
+  </p:clrMapOvr>
+</p:sld>
+</file>
+
+<file path=ppt/slides/slide7.xml><?xml version="1.0" encoding="utf-8"?>
+<p:sld xmlns:a="http://schemas.openxmlformats.org/drawingml/2006/main" xmlns:r="http://schemas.openxmlformats.org/officeDocument/2006/relationships" xmlns:p="http://schemas.openxmlformats.org/presentationml/2006/main">
+  <p:cSld>
+    <p:spTree>
+      <p:nvGrpSpPr>
+        <p:cNvPr id="1" name=""/>
+        <p:cNvGrpSpPr/>
+        <p:nvPr/>
+      </p:nvGrpSpPr>
+      <p:grpSpPr>
+        <a:xfrm>
+          <a:off x="0" y="0"/>
+          <a:ext cx="0" cy="0"/>
+          <a:chOff x="0" y="0"/>
+          <a:chExt cx="0" cy="0"/>
+        </a:xfrm>
+      </p:grpSpPr>
+      <p:sp>
+        <p:nvSpPr>
+          <p:cNvPr id="2" name="제목 1">
+            <a:extLst>
+              <a:ext uri="{FF2B5EF4-FFF2-40B4-BE49-F238E27FC236}">
+                <a16:creationId xmlns:a16="http://schemas.microsoft.com/office/drawing/2014/main" id="{7D7F899C-BBB6-4218-B2B3-61F2E0B5EDA9}"/>
+              </a:ext>
+            </a:extLst>
+          </p:cNvPr>
+          <p:cNvSpPr>
+            <a:spLocks noGrp="1"/>
+          </p:cNvSpPr>
+          <p:nvPr>
+            <p:ph type="title"/>
+          </p:nvPr>
+        </p:nvSpPr>
+        <p:spPr/>
+        <p:txBody>
+          <a:bodyPr/>
+          <a:lstStyle/>
+          <a:p>
+            <a:r>
+              <a:rPr lang="ko-KR" altLang="en-US"/>
+              <a:t>게임 과제</a:t>
+            </a:r>
+          </a:p>
+        </p:txBody>
+      </p:sp>
+      <p:sp>
+        <p:nvSpPr>
+          <p:cNvPr id="3" name="내용 개체 틀 2">
+            <a:extLst>
+              <a:ext uri="{FF2B5EF4-FFF2-40B4-BE49-F238E27FC236}">
+                <a16:creationId xmlns:a16="http://schemas.microsoft.com/office/drawing/2014/main" id="{F1934C4B-7B3F-45B9-B98C-C0019FBC5364}"/>
+              </a:ext>
+            </a:extLst>
+          </p:cNvPr>
+          <p:cNvSpPr>
+            <a:spLocks noGrp="1"/>
+          </p:cNvSpPr>
+          <p:nvPr>
+            <p:ph idx="1"/>
+          </p:nvPr>
+        </p:nvSpPr>
+        <p:spPr/>
+        <p:txBody>
+          <a:bodyPr/>
+          <a:lstStyle/>
+          <a:p>
+            <a:r>
+              <a:rPr lang="ko-KR" altLang="en-US" dirty="0"/>
+              <a:t>일반적인 게임을 작성</a:t>
+            </a:r>
+            <a:endParaRPr lang="en-US" altLang="ko-KR" dirty="0"/>
+          </a:p>
+          <a:p>
+            <a:r>
+              <a:rPr lang="ko-KR" altLang="en-US" dirty="0"/>
+              <a:t>그라운드를 벗어나면 안됨</a:t>
+            </a:r>
+            <a:endParaRPr lang="en-US" altLang="ko-KR" dirty="0"/>
+          </a:p>
+          <a:p>
+            <a:r>
+              <a:rPr lang="ko-KR" altLang="en-US" dirty="0"/>
+              <a:t>포탈을 </a:t>
+            </a:r>
+            <a:r>
+              <a:rPr lang="en-US" altLang="ko-KR" dirty="0"/>
+              <a:t>1</a:t>
+            </a:r>
+            <a:r>
+              <a:rPr lang="ko-KR" altLang="en-US" dirty="0"/>
+              <a:t>개 이상 추가 할 것</a:t>
+            </a:r>
+            <a:endParaRPr lang="en-US" altLang="ko-KR" dirty="0"/>
+          </a:p>
+          <a:p>
+            <a:r>
+              <a:rPr lang="ko-KR" altLang="en-US" dirty="0"/>
+              <a:t>상대를 반드시 </a:t>
+            </a:r>
+            <a:r>
+              <a:rPr lang="en-US" altLang="ko-KR" dirty="0"/>
+              <a:t>1</a:t>
+            </a:r>
+            <a:r>
+              <a:rPr lang="ko-KR" altLang="en-US" dirty="0"/>
+              <a:t>개 이상 추가할 것</a:t>
+            </a:r>
+            <a:endParaRPr lang="en-US" altLang="ko-KR" dirty="0"/>
+          </a:p>
+          <a:p>
+            <a:pPr lvl="1"/>
+            <a:r>
+              <a:rPr lang="ko-KR" altLang="en-US" dirty="0"/>
+              <a:t>게임 시간이 지난 이후에 둘이 뭉치지 않게 작성할 것</a:t>
+            </a:r>
+          </a:p>
+        </p:txBody>
+      </p:sp>
+      <p:sp>
+        <p:nvSpPr>
+          <p:cNvPr id="4" name="바닥글 개체 틀 3">
+            <a:extLst>
+              <a:ext uri="{FF2B5EF4-FFF2-40B4-BE49-F238E27FC236}">
+                <a16:creationId xmlns:a16="http://schemas.microsoft.com/office/drawing/2014/main" id="{7A94E336-3982-4F92-80E4-A42388C827A5}"/>
+              </a:ext>
+            </a:extLst>
+          </p:cNvPr>
+          <p:cNvSpPr>
+            <a:spLocks noGrp="1"/>
+          </p:cNvSpPr>
+          <p:nvPr>
+            <p:ph type="ftr" sz="quarter" idx="11"/>
+          </p:nvPr>
+        </p:nvSpPr>
+        <p:spPr/>
+        <p:txBody>
+          <a:bodyPr/>
+          <a:lstStyle/>
+          <a:p>
+            <a:r>
+              <a:rPr lang="en-US" altLang="ko-KR"/>
+              <a:t>Dept. of Computer Science &amp; Engineering</a:t>
+            </a:r>
+            <a:endParaRPr lang="ko-KR" altLang="en-US"/>
+          </a:p>
+        </p:txBody>
+      </p:sp>
+      <p:sp>
+        <p:nvSpPr>
+          <p:cNvPr id="5" name="슬라이드 번호 개체 틀 4">
+            <a:extLst>
+              <a:ext uri="{FF2B5EF4-FFF2-40B4-BE49-F238E27FC236}">
+                <a16:creationId xmlns:a16="http://schemas.microsoft.com/office/drawing/2014/main" id="{73028E40-733E-4324-B614-BCB0FE5132C1}"/>
+              </a:ext>
+            </a:extLst>
+          </p:cNvPr>
+          <p:cNvSpPr>
+            <a:spLocks noGrp="1"/>
+          </p:cNvSpPr>
+          <p:nvPr>
+            <p:ph type="sldNum" sz="quarter" idx="12"/>
+          </p:nvPr>
+        </p:nvSpPr>
+        <p:spPr/>
+        <p:txBody>
+          <a:bodyPr/>
+          <a:lstStyle/>
+          <a:p>
+            <a:fld id="{CEC805F0-D154-4BCD-9141-31989782D30C}" type="slidenum">
+              <a:rPr lang="ko-KR" altLang="en-US" smtClean="0"/>
+              <a:t>7</a:t>
+            </a:fld>
+            <a:endParaRPr lang="ko-KR" altLang="en-US"/>
+          </a:p>
+        </p:txBody>
+      </p:sp>
+    </p:spTree>
+    <p:extLst>
+      <p:ext uri="{BB962C8B-B14F-4D97-AF65-F5344CB8AC3E}">
+        <p14:creationId xmlns:p14="http://schemas.microsoft.com/office/powerpoint/2010/main" val="2917716581"/>
       </p:ext>
     </p:extLst>
   </p:cSld>
